--- a/StreamDeckIcons.pptx
+++ b/StreamDeckIcons.pptx
@@ -260,7 +260,7 @@
           <a:p>
             <a:fld id="{0DEEF7DC-7006-40C3-8BB8-016BDBFD0869}" type="datetimeFigureOut">
               <a:rPr kumimoji="1" lang="ja-JP" altLang="en-US" smtClean="0"/>
-              <a:t>2025/6/12</a:t>
+              <a:t>2025/6/13</a:t>
             </a:fld>
             <a:endParaRPr kumimoji="1" lang="ja-JP" altLang="en-US"/>
           </a:p>
@@ -490,7 +490,7 @@
           <a:p>
             <a:fld id="{0DEEF7DC-7006-40C3-8BB8-016BDBFD0869}" type="datetimeFigureOut">
               <a:rPr kumimoji="1" lang="ja-JP" altLang="en-US" smtClean="0"/>
-              <a:t>2025/6/12</a:t>
+              <a:t>2025/6/13</a:t>
             </a:fld>
             <a:endParaRPr kumimoji="1" lang="ja-JP" altLang="en-US"/>
           </a:p>
@@ -730,7 +730,7 @@
           <a:p>
             <a:fld id="{0DEEF7DC-7006-40C3-8BB8-016BDBFD0869}" type="datetimeFigureOut">
               <a:rPr kumimoji="1" lang="ja-JP" altLang="en-US" smtClean="0"/>
-              <a:t>2025/6/12</a:t>
+              <a:t>2025/6/13</a:t>
             </a:fld>
             <a:endParaRPr kumimoji="1" lang="ja-JP" altLang="en-US"/>
           </a:p>
@@ -960,7 +960,7 @@
           <a:p>
             <a:fld id="{0DEEF7DC-7006-40C3-8BB8-016BDBFD0869}" type="datetimeFigureOut">
               <a:rPr kumimoji="1" lang="ja-JP" altLang="en-US" smtClean="0"/>
-              <a:t>2025/6/12</a:t>
+              <a:t>2025/6/13</a:t>
             </a:fld>
             <a:endParaRPr kumimoji="1" lang="ja-JP" altLang="en-US"/>
           </a:p>
@@ -1235,7 +1235,7 @@
           <a:p>
             <a:fld id="{0DEEF7DC-7006-40C3-8BB8-016BDBFD0869}" type="datetimeFigureOut">
               <a:rPr kumimoji="1" lang="ja-JP" altLang="en-US" smtClean="0"/>
-              <a:t>2025/6/12</a:t>
+              <a:t>2025/6/13</a:t>
             </a:fld>
             <a:endParaRPr kumimoji="1" lang="ja-JP" altLang="en-US"/>
           </a:p>
@@ -1564,7 +1564,7 @@
           <a:p>
             <a:fld id="{0DEEF7DC-7006-40C3-8BB8-016BDBFD0869}" type="datetimeFigureOut">
               <a:rPr kumimoji="1" lang="ja-JP" altLang="en-US" smtClean="0"/>
-              <a:t>2025/6/12</a:t>
+              <a:t>2025/6/13</a:t>
             </a:fld>
             <a:endParaRPr kumimoji="1" lang="ja-JP" altLang="en-US"/>
           </a:p>
@@ -2040,7 +2040,7 @@
           <a:p>
             <a:fld id="{0DEEF7DC-7006-40C3-8BB8-016BDBFD0869}" type="datetimeFigureOut">
               <a:rPr kumimoji="1" lang="ja-JP" altLang="en-US" smtClean="0"/>
-              <a:t>2025/6/12</a:t>
+              <a:t>2025/6/13</a:t>
             </a:fld>
             <a:endParaRPr kumimoji="1" lang="ja-JP" altLang="en-US"/>
           </a:p>
@@ -2181,7 +2181,7 @@
           <a:p>
             <a:fld id="{0DEEF7DC-7006-40C3-8BB8-016BDBFD0869}" type="datetimeFigureOut">
               <a:rPr kumimoji="1" lang="ja-JP" altLang="en-US" smtClean="0"/>
-              <a:t>2025/6/12</a:t>
+              <a:t>2025/6/13</a:t>
             </a:fld>
             <a:endParaRPr kumimoji="1" lang="ja-JP" altLang="en-US"/>
           </a:p>
@@ -2294,7 +2294,7 @@
           <a:p>
             <a:fld id="{0DEEF7DC-7006-40C3-8BB8-016BDBFD0869}" type="datetimeFigureOut">
               <a:rPr kumimoji="1" lang="ja-JP" altLang="en-US" smtClean="0"/>
-              <a:t>2025/6/12</a:t>
+              <a:t>2025/6/13</a:t>
             </a:fld>
             <a:endParaRPr kumimoji="1" lang="ja-JP" altLang="en-US"/>
           </a:p>
@@ -2637,7 +2637,7 @@
           <a:p>
             <a:fld id="{0DEEF7DC-7006-40C3-8BB8-016BDBFD0869}" type="datetimeFigureOut">
               <a:rPr kumimoji="1" lang="ja-JP" altLang="en-US" smtClean="0"/>
-              <a:t>2025/6/12</a:t>
+              <a:t>2025/6/13</a:t>
             </a:fld>
             <a:endParaRPr kumimoji="1" lang="ja-JP" altLang="en-US"/>
           </a:p>
@@ -2925,7 +2925,7 @@
           <a:p>
             <a:fld id="{0DEEF7DC-7006-40C3-8BB8-016BDBFD0869}" type="datetimeFigureOut">
               <a:rPr kumimoji="1" lang="ja-JP" altLang="en-US" smtClean="0"/>
-              <a:t>2025/6/12</a:t>
+              <a:t>2025/6/13</a:t>
             </a:fld>
             <a:endParaRPr kumimoji="1" lang="ja-JP" altLang="en-US"/>
           </a:p>
@@ -3198,7 +3198,7 @@
           <a:p>
             <a:fld id="{0DEEF7DC-7006-40C3-8BB8-016BDBFD0869}" type="datetimeFigureOut">
               <a:rPr kumimoji="1" lang="ja-JP" altLang="en-US" smtClean="0"/>
-              <a:t>2025/6/12</a:t>
+              <a:t>2025/6/13</a:t>
             </a:fld>
             <a:endParaRPr kumimoji="1" lang="ja-JP" altLang="en-US"/>
           </a:p>
@@ -3817,10 +3817,10 @@
       </p:sp>
       <p:grpSp>
         <p:nvGrpSpPr>
-          <p:cNvPr id="17" name="グループ化 16">
-            <a:extLst>
-              <a:ext uri="{FF2B5EF4-FFF2-40B4-BE49-F238E27FC236}">
-                <a16:creationId xmlns:a16="http://schemas.microsoft.com/office/drawing/2014/main" id="{A9D55143-BD97-1F05-0DAC-A050099C4554}"/>
+          <p:cNvPr id="2" name="グループ化 1">
+            <a:extLst>
+              <a:ext uri="{FF2B5EF4-FFF2-40B4-BE49-F238E27FC236}">
+                <a16:creationId xmlns:a16="http://schemas.microsoft.com/office/drawing/2014/main" id="{6D05E3D7-7902-048B-2417-33858802E682}"/>
               </a:ext>
             </a:extLst>
           </p:cNvPr>
@@ -3829,10 +3829,10 @@
         </p:nvGrpSpPr>
         <p:grpSpPr>
           <a:xfrm>
-            <a:off x="2276476" y="929028"/>
-            <a:ext cx="590600" cy="647700"/>
-            <a:chOff x="6962774" y="1218827"/>
-            <a:chExt cx="876301" cy="961023"/>
+            <a:off x="2276476" y="992673"/>
+            <a:ext cx="1676450" cy="606137"/>
+            <a:chOff x="2276476" y="929028"/>
+            <a:chExt cx="1676450" cy="733426"/>
           </a:xfrm>
         </p:grpSpPr>
         <p:sp>
@@ -3849,8 +3849,8 @@
           </p:nvSpPr>
           <p:spPr>
             <a:xfrm>
-              <a:off x="6962776" y="1333438"/>
-              <a:ext cx="503407" cy="152814"/>
+              <a:off x="2276477" y="1006272"/>
+              <a:ext cx="339281" cy="102992"/>
             </a:xfrm>
             <a:prstGeom prst="rect">
               <a:avLst/>
@@ -3903,8 +3903,8 @@
           </p:nvSpPr>
           <p:spPr>
             <a:xfrm>
-              <a:off x="6962774" y="1639068"/>
-              <a:ext cx="876301" cy="152814"/>
+              <a:off x="2276476" y="1212258"/>
+              <a:ext cx="590600" cy="102992"/>
             </a:xfrm>
             <a:prstGeom prst="rect">
               <a:avLst/>
@@ -3957,8 +3957,8 @@
           </p:nvSpPr>
           <p:spPr>
             <a:xfrm>
-              <a:off x="6962776" y="1944698"/>
-              <a:ext cx="503407" cy="152814"/>
+              <a:off x="2276477" y="1418243"/>
+              <a:ext cx="339281" cy="102992"/>
             </a:xfrm>
             <a:prstGeom prst="rect">
               <a:avLst/>
@@ -4011,15 +4011,15 @@
           </p:nvCxnSpPr>
           <p:spPr>
             <a:xfrm>
-              <a:off x="6962774" y="1218827"/>
-              <a:ext cx="0" cy="961023"/>
+              <a:off x="2276476" y="929028"/>
+              <a:ext cx="0" cy="647700"/>
             </a:xfrm>
             <a:prstGeom prst="line">
               <a:avLst/>
             </a:prstGeom>
             <a:ln w="38100">
               <a:solidFill>
-                <a:srgbClr val="FFFF00"/>
+                <a:srgbClr val="FF0000"/>
               </a:solidFill>
             </a:ln>
           </p:spPr>
@@ -4038,27 +4038,6 @@
             </a:fontRef>
           </p:style>
         </p:cxnSp>
-      </p:grpSp>
-      <p:grpSp>
-        <p:nvGrpSpPr>
-          <p:cNvPr id="18" name="グループ化 17">
-            <a:extLst>
-              <a:ext uri="{FF2B5EF4-FFF2-40B4-BE49-F238E27FC236}">
-                <a16:creationId xmlns:a16="http://schemas.microsoft.com/office/drawing/2014/main" id="{6E2B1367-C7D5-440C-BA79-4B81F9174B1D}"/>
-              </a:ext>
-            </a:extLst>
-          </p:cNvPr>
-          <p:cNvGrpSpPr/>
-          <p:nvPr/>
-        </p:nvGrpSpPr>
-        <p:grpSpPr>
-          <a:xfrm flipH="1">
-            <a:off x="3362326" y="1014754"/>
-            <a:ext cx="590600" cy="647700"/>
-            <a:chOff x="6962774" y="1218827"/>
-            <a:chExt cx="876301" cy="961023"/>
-          </a:xfrm>
-        </p:grpSpPr>
         <p:sp>
           <p:nvSpPr>
             <p:cNvPr id="19" name="正方形/長方形 18">
@@ -4072,9 +4051,9 @@
             <p:nvPr/>
           </p:nvSpPr>
           <p:spPr>
-            <a:xfrm>
-              <a:off x="6962776" y="1333438"/>
-              <a:ext cx="503407" cy="152814"/>
+            <a:xfrm flipH="1">
+              <a:off x="3613644" y="1091998"/>
+              <a:ext cx="339281" cy="102992"/>
             </a:xfrm>
             <a:prstGeom prst="rect">
               <a:avLst/>
@@ -4126,9 +4105,9 @@
             <p:nvPr/>
           </p:nvSpPr>
           <p:spPr>
-            <a:xfrm>
-              <a:off x="6962774" y="1639068"/>
-              <a:ext cx="876301" cy="152814"/>
+            <a:xfrm flipH="1">
+              <a:off x="3362326" y="1297984"/>
+              <a:ext cx="590600" cy="102992"/>
             </a:xfrm>
             <a:prstGeom prst="rect">
               <a:avLst/>
@@ -4180,9 +4159,9 @@
             <p:nvPr/>
           </p:nvSpPr>
           <p:spPr>
-            <a:xfrm>
-              <a:off x="6962776" y="1944698"/>
-              <a:ext cx="503407" cy="152814"/>
+            <a:xfrm flipH="1">
+              <a:off x="3613644" y="1503969"/>
+              <a:ext cx="339281" cy="102992"/>
             </a:xfrm>
             <a:prstGeom prst="rect">
               <a:avLst/>
@@ -4234,16 +4213,16 @@
             <p:nvPr/>
           </p:nvCxnSpPr>
           <p:spPr>
-            <a:xfrm>
-              <a:off x="6962774" y="1218827"/>
-              <a:ext cx="0" cy="961023"/>
+            <a:xfrm flipH="1">
+              <a:off x="3952926" y="1014754"/>
+              <a:ext cx="0" cy="647700"/>
             </a:xfrm>
             <a:prstGeom prst="line">
               <a:avLst/>
             </a:prstGeom>
             <a:ln w="38100">
               <a:solidFill>
-                <a:srgbClr val="FFFF00"/>
+                <a:srgbClr val="FF0000"/>
               </a:solidFill>
             </a:ln>
           </p:spPr>
@@ -4723,466 +4702,422 @@
           </p:style>
         </p:cxnSp>
       </p:grpSp>
-      <p:grpSp>
-        <p:nvGrpSpPr>
-          <p:cNvPr id="36" name="グループ化 35">
-            <a:extLst>
-              <a:ext uri="{FF2B5EF4-FFF2-40B4-BE49-F238E27FC236}">
-                <a16:creationId xmlns:a16="http://schemas.microsoft.com/office/drawing/2014/main" id="{ABC4F18F-F262-45A7-64DF-C79C54D1BB22}"/>
-              </a:ext>
-            </a:extLst>
-          </p:cNvPr>
-          <p:cNvGrpSpPr/>
+      <p:sp>
+        <p:nvSpPr>
+          <p:cNvPr id="37" name="正方形/長方形 36">
+            <a:extLst>
+              <a:ext uri="{FF2B5EF4-FFF2-40B4-BE49-F238E27FC236}">
+                <a16:creationId xmlns:a16="http://schemas.microsoft.com/office/drawing/2014/main" id="{B3D19952-5969-B01E-DAE8-566F8D8F5435}"/>
+              </a:ext>
+            </a:extLst>
+          </p:cNvPr>
+          <p:cNvSpPr/>
           <p:nvPr/>
-        </p:nvGrpSpPr>
-        <p:grpSpPr>
+        </p:nvSpPr>
+        <p:spPr>
           <a:xfrm>
-            <a:off x="3259844" y="2190751"/>
-            <a:ext cx="795564" cy="412402"/>
-            <a:chOff x="6289793" y="2933271"/>
-            <a:chExt cx="1164784" cy="412402"/>
+            <a:off x="3385935" y="2280557"/>
+            <a:ext cx="87982" cy="232790"/>
           </a:xfrm>
-        </p:grpSpPr>
-        <p:sp>
-          <p:nvSpPr>
-            <p:cNvPr id="37" name="正方形/長方形 36">
-              <a:extLst>
-                <a:ext uri="{FF2B5EF4-FFF2-40B4-BE49-F238E27FC236}">
-                  <a16:creationId xmlns:a16="http://schemas.microsoft.com/office/drawing/2014/main" id="{B3D19952-5969-B01E-DAE8-566F8D8F5435}"/>
-                </a:ext>
-              </a:extLst>
-            </p:cNvPr>
-            <p:cNvSpPr/>
-            <p:nvPr/>
-          </p:nvSpPr>
-          <p:spPr>
-            <a:xfrm>
-              <a:off x="6474403" y="3023077"/>
-              <a:ext cx="128814" cy="232790"/>
-            </a:xfrm>
-            <a:prstGeom prst="rect">
-              <a:avLst/>
-            </a:prstGeom>
+          <a:prstGeom prst="rect">
+            <a:avLst/>
+          </a:prstGeom>
+          <a:solidFill>
+            <a:srgbClr val="92D050"/>
+          </a:solidFill>
+          <a:ln>
             <a:solidFill>
-              <a:srgbClr val="92D050"/>
+              <a:srgbClr val="FFFF00"/>
             </a:solidFill>
-            <a:ln>
-              <a:solidFill>
-                <a:srgbClr val="FFFF00"/>
-              </a:solidFill>
-            </a:ln>
-          </p:spPr>
-          <p:style>
-            <a:lnRef idx="2">
-              <a:schemeClr val="accent1">
-                <a:shade val="15000"/>
-              </a:schemeClr>
-            </a:lnRef>
-            <a:fillRef idx="1">
-              <a:schemeClr val="accent1"/>
-            </a:fillRef>
-            <a:effectRef idx="0">
-              <a:schemeClr val="accent1"/>
-            </a:effectRef>
-            <a:fontRef idx="minor">
-              <a:schemeClr val="lt1"/>
-            </a:fontRef>
-          </p:style>
-          <p:txBody>
-            <a:bodyPr rtlCol="0" anchor="ctr"/>
-            <a:lstStyle/>
-            <a:p>
-              <a:pPr algn="ctr"/>
-              <a:endParaRPr kumimoji="1" lang="ja-JP" altLang="en-US"/>
-            </a:p>
-          </p:txBody>
-        </p:sp>
-        <p:sp>
-          <p:nvSpPr>
-            <p:cNvPr id="38" name="正方形/長方形 37">
-              <a:extLst>
-                <a:ext uri="{FF2B5EF4-FFF2-40B4-BE49-F238E27FC236}">
-                  <a16:creationId xmlns:a16="http://schemas.microsoft.com/office/drawing/2014/main" id="{5A801AEB-F525-D865-48ED-E807ED3C2A01}"/>
-                </a:ext>
-              </a:extLst>
-            </p:cNvPr>
-            <p:cNvSpPr/>
-            <p:nvPr/>
-          </p:nvSpPr>
-          <p:spPr>
-            <a:xfrm>
-              <a:off x="6807778" y="2933271"/>
-              <a:ext cx="128814" cy="412402"/>
-            </a:xfrm>
-            <a:prstGeom prst="rect">
-              <a:avLst/>
-            </a:prstGeom>
+          </a:ln>
+        </p:spPr>
+        <p:style>
+          <a:lnRef idx="2">
+            <a:schemeClr val="accent1">
+              <a:shade val="15000"/>
+            </a:schemeClr>
+          </a:lnRef>
+          <a:fillRef idx="1">
+            <a:schemeClr val="accent1"/>
+          </a:fillRef>
+          <a:effectRef idx="0">
+            <a:schemeClr val="accent1"/>
+          </a:effectRef>
+          <a:fontRef idx="minor">
+            <a:schemeClr val="lt1"/>
+          </a:fontRef>
+        </p:style>
+        <p:txBody>
+          <a:bodyPr rtlCol="0" anchor="ctr"/>
+          <a:lstStyle/>
+          <a:p>
+            <a:pPr algn="ctr"/>
+            <a:endParaRPr kumimoji="1" lang="ja-JP" altLang="en-US"/>
+          </a:p>
+        </p:txBody>
+      </p:sp>
+      <p:sp>
+        <p:nvSpPr>
+          <p:cNvPr id="38" name="正方形/長方形 37">
+            <a:extLst>
+              <a:ext uri="{FF2B5EF4-FFF2-40B4-BE49-F238E27FC236}">
+                <a16:creationId xmlns:a16="http://schemas.microsoft.com/office/drawing/2014/main" id="{5A801AEB-F525-D865-48ED-E807ED3C2A01}"/>
+              </a:ext>
+            </a:extLst>
+          </p:cNvPr>
+          <p:cNvSpPr/>
+          <p:nvPr/>
+        </p:nvSpPr>
+        <p:spPr>
+          <a:xfrm>
+            <a:off x="3644631" y="2190751"/>
+            <a:ext cx="87982" cy="412402"/>
+          </a:xfrm>
+          <a:prstGeom prst="rect">
+            <a:avLst/>
+          </a:prstGeom>
+          <a:solidFill>
+            <a:srgbClr val="92D050"/>
+          </a:solidFill>
+          <a:ln>
             <a:solidFill>
-              <a:srgbClr val="92D050"/>
+              <a:srgbClr val="FFFF00"/>
             </a:solidFill>
-            <a:ln>
-              <a:solidFill>
-                <a:srgbClr val="FFFF00"/>
-              </a:solidFill>
-            </a:ln>
-          </p:spPr>
-          <p:style>
-            <a:lnRef idx="2">
-              <a:schemeClr val="accent1">
-                <a:shade val="15000"/>
-              </a:schemeClr>
-            </a:lnRef>
-            <a:fillRef idx="1">
-              <a:schemeClr val="accent1"/>
-            </a:fillRef>
-            <a:effectRef idx="0">
-              <a:schemeClr val="accent1"/>
-            </a:effectRef>
-            <a:fontRef idx="minor">
-              <a:schemeClr val="lt1"/>
-            </a:fontRef>
-          </p:style>
-          <p:txBody>
-            <a:bodyPr rtlCol="0" anchor="ctr"/>
-            <a:lstStyle/>
-            <a:p>
-              <a:pPr algn="ctr"/>
-              <a:endParaRPr kumimoji="1" lang="ja-JP" altLang="en-US"/>
-            </a:p>
-          </p:txBody>
-        </p:sp>
-        <p:sp>
-          <p:nvSpPr>
-            <p:cNvPr id="39" name="正方形/長方形 38">
-              <a:extLst>
-                <a:ext uri="{FF2B5EF4-FFF2-40B4-BE49-F238E27FC236}">
-                  <a16:creationId xmlns:a16="http://schemas.microsoft.com/office/drawing/2014/main" id="{ED358C22-DB90-B77F-B3CE-2A11C2B7D88F}"/>
-                </a:ext>
-              </a:extLst>
-            </p:cNvPr>
-            <p:cNvSpPr/>
-            <p:nvPr/>
-          </p:nvSpPr>
-          <p:spPr>
-            <a:xfrm>
-              <a:off x="7141153" y="2984550"/>
-              <a:ext cx="128814" cy="309844"/>
-            </a:xfrm>
-            <a:prstGeom prst="rect">
-              <a:avLst/>
-            </a:prstGeom>
+          </a:ln>
+        </p:spPr>
+        <p:style>
+          <a:lnRef idx="2">
+            <a:schemeClr val="accent1">
+              <a:shade val="15000"/>
+            </a:schemeClr>
+          </a:lnRef>
+          <a:fillRef idx="1">
+            <a:schemeClr val="accent1"/>
+          </a:fillRef>
+          <a:effectRef idx="0">
+            <a:schemeClr val="accent1"/>
+          </a:effectRef>
+          <a:fontRef idx="minor">
+            <a:schemeClr val="lt1"/>
+          </a:fontRef>
+        </p:style>
+        <p:txBody>
+          <a:bodyPr rtlCol="0" anchor="ctr"/>
+          <a:lstStyle/>
+          <a:p>
+            <a:pPr algn="ctr"/>
+            <a:endParaRPr kumimoji="1" lang="ja-JP" altLang="en-US"/>
+          </a:p>
+        </p:txBody>
+      </p:sp>
+      <p:sp>
+        <p:nvSpPr>
+          <p:cNvPr id="39" name="正方形/長方形 38">
+            <a:extLst>
+              <a:ext uri="{FF2B5EF4-FFF2-40B4-BE49-F238E27FC236}">
+                <a16:creationId xmlns:a16="http://schemas.microsoft.com/office/drawing/2014/main" id="{ED358C22-DB90-B77F-B3CE-2A11C2B7D88F}"/>
+              </a:ext>
+            </a:extLst>
+          </p:cNvPr>
+          <p:cNvSpPr/>
+          <p:nvPr/>
+        </p:nvSpPr>
+        <p:spPr>
+          <a:xfrm>
+            <a:off x="3787092" y="2242030"/>
+            <a:ext cx="87982" cy="309844"/>
+          </a:xfrm>
+          <a:prstGeom prst="rect">
+            <a:avLst/>
+          </a:prstGeom>
+          <a:solidFill>
+            <a:srgbClr val="92D050"/>
+          </a:solidFill>
+          <a:ln>
             <a:solidFill>
-              <a:srgbClr val="92D050"/>
+              <a:srgbClr val="FFFF00"/>
             </a:solidFill>
-            <a:ln>
-              <a:solidFill>
-                <a:srgbClr val="FFFF00"/>
-              </a:solidFill>
-            </a:ln>
-          </p:spPr>
-          <p:style>
-            <a:lnRef idx="2">
-              <a:schemeClr val="accent1">
-                <a:shade val="15000"/>
-              </a:schemeClr>
-            </a:lnRef>
-            <a:fillRef idx="1">
-              <a:schemeClr val="accent1"/>
-            </a:fillRef>
-            <a:effectRef idx="0">
-              <a:schemeClr val="accent1"/>
-            </a:effectRef>
-            <a:fontRef idx="minor">
-              <a:schemeClr val="lt1"/>
-            </a:fontRef>
-          </p:style>
-          <p:txBody>
-            <a:bodyPr rtlCol="0" anchor="ctr"/>
-            <a:lstStyle/>
-            <a:p>
-              <a:pPr algn="ctr"/>
-              <a:endParaRPr kumimoji="1" lang="ja-JP" altLang="en-US"/>
-            </a:p>
-          </p:txBody>
-        </p:sp>
-        <p:cxnSp>
-          <p:nvCxnSpPr>
-            <p:cNvPr id="40" name="直線コネクタ 39">
-              <a:extLst>
-                <a:ext uri="{FF2B5EF4-FFF2-40B4-BE49-F238E27FC236}">
-                  <a16:creationId xmlns:a16="http://schemas.microsoft.com/office/drawing/2014/main" id="{6A17CA10-C782-9208-4B61-1EE35FA104AE}"/>
-                </a:ext>
-              </a:extLst>
-            </p:cNvPr>
-            <p:cNvCxnSpPr>
-              <a:cxnSpLocks/>
-              <a:stCxn id="39" idx="3"/>
-              <a:endCxn id="37" idx="1"/>
-            </p:cNvCxnSpPr>
-            <p:nvPr/>
-          </p:nvCxnSpPr>
-          <p:spPr>
-            <a:xfrm flipH="1">
-              <a:off x="6289793" y="3139472"/>
-              <a:ext cx="1164784" cy="0"/>
-            </a:xfrm>
-            <a:prstGeom prst="line">
-              <a:avLst/>
-            </a:prstGeom>
-            <a:ln w="38100">
-              <a:solidFill>
-                <a:srgbClr val="FF0000"/>
-              </a:solidFill>
-              <a:headEnd type="none" w="med" len="med"/>
-              <a:tailEnd type="none" w="med" len="med"/>
-            </a:ln>
-          </p:spPr>
-          <p:style>
-            <a:lnRef idx="2">
-              <a:schemeClr val="accent1"/>
-            </a:lnRef>
-            <a:fillRef idx="0">
-              <a:schemeClr val="accent1"/>
-            </a:fillRef>
-            <a:effectRef idx="1">
-              <a:schemeClr val="accent1"/>
-            </a:effectRef>
-            <a:fontRef idx="minor">
-              <a:schemeClr val="tx1"/>
-            </a:fontRef>
-          </p:style>
-        </p:cxnSp>
-      </p:grpSp>
-      <p:grpSp>
-        <p:nvGrpSpPr>
-          <p:cNvPr id="55" name="グループ化 54">
-            <a:extLst>
-              <a:ext uri="{FF2B5EF4-FFF2-40B4-BE49-F238E27FC236}">
-                <a16:creationId xmlns:a16="http://schemas.microsoft.com/office/drawing/2014/main" id="{2847D17D-3F00-8BFE-88A2-E6B2D75DDC11}"/>
-              </a:ext>
-            </a:extLst>
-          </p:cNvPr>
-          <p:cNvGrpSpPr/>
+          </a:ln>
+        </p:spPr>
+        <p:style>
+          <a:lnRef idx="2">
+            <a:schemeClr val="accent1">
+              <a:shade val="15000"/>
+            </a:schemeClr>
+          </a:lnRef>
+          <a:fillRef idx="1">
+            <a:schemeClr val="accent1"/>
+          </a:fillRef>
+          <a:effectRef idx="0">
+            <a:schemeClr val="accent1"/>
+          </a:effectRef>
+          <a:fontRef idx="minor">
+            <a:schemeClr val="lt1"/>
+          </a:fontRef>
+        </p:style>
+        <p:txBody>
+          <a:bodyPr rtlCol="0" anchor="ctr"/>
+          <a:lstStyle/>
+          <a:p>
+            <a:pPr algn="ctr"/>
+            <a:endParaRPr kumimoji="1" lang="ja-JP" altLang="en-US"/>
+          </a:p>
+        </p:txBody>
+      </p:sp>
+      <p:cxnSp>
+        <p:nvCxnSpPr>
+          <p:cNvPr id="40" name="直線コネクタ 39">
+            <a:extLst>
+              <a:ext uri="{FF2B5EF4-FFF2-40B4-BE49-F238E27FC236}">
+                <a16:creationId xmlns:a16="http://schemas.microsoft.com/office/drawing/2014/main" id="{6A17CA10-C782-9208-4B61-1EE35FA104AE}"/>
+              </a:ext>
+            </a:extLst>
+          </p:cNvPr>
+          <p:cNvCxnSpPr>
+            <a:cxnSpLocks/>
+            <a:stCxn id="39" idx="3"/>
+            <a:endCxn id="37" idx="1"/>
+          </p:cNvCxnSpPr>
           <p:nvPr/>
-        </p:nvGrpSpPr>
-        <p:grpSpPr>
-          <a:xfrm>
-            <a:off x="3281546" y="3273176"/>
-            <a:ext cx="664178" cy="506380"/>
-            <a:chOff x="4103341" y="3799568"/>
-            <a:chExt cx="664178" cy="506380"/>
+        </p:nvCxnSpPr>
+        <p:spPr>
+          <a:xfrm flipH="1">
+            <a:off x="3334575" y="2396952"/>
+            <a:ext cx="591858" cy="0"/>
           </a:xfrm>
-        </p:grpSpPr>
-        <p:sp>
-          <p:nvSpPr>
-            <p:cNvPr id="47" name="正方形/長方形 46">
-              <a:extLst>
-                <a:ext uri="{FF2B5EF4-FFF2-40B4-BE49-F238E27FC236}">
-                  <a16:creationId xmlns:a16="http://schemas.microsoft.com/office/drawing/2014/main" id="{0E53D5F6-3CFA-052A-F8AA-087F31FA8134}"/>
-                </a:ext>
-              </a:extLst>
-            </p:cNvPr>
-            <p:cNvSpPr/>
-            <p:nvPr/>
-          </p:nvSpPr>
-          <p:spPr>
-            <a:xfrm rot="5400000">
-              <a:off x="4399074" y="3692411"/>
-              <a:ext cx="72712" cy="374911"/>
-            </a:xfrm>
-            <a:prstGeom prst="rect">
-              <a:avLst/>
-            </a:prstGeom>
+          <a:prstGeom prst="line">
+            <a:avLst/>
+          </a:prstGeom>
+          <a:ln w="38100">
             <a:solidFill>
-              <a:srgbClr val="92D050"/>
+              <a:srgbClr val="FF0000"/>
             </a:solidFill>
-            <a:ln>
-              <a:solidFill>
-                <a:srgbClr val="FFFF00"/>
-              </a:solidFill>
-            </a:ln>
-          </p:spPr>
-          <p:style>
-            <a:lnRef idx="2">
-              <a:schemeClr val="accent1">
-                <a:shade val="15000"/>
-              </a:schemeClr>
-            </a:lnRef>
-            <a:fillRef idx="1">
-              <a:schemeClr val="accent1"/>
-            </a:fillRef>
-            <a:effectRef idx="0">
-              <a:schemeClr val="accent1"/>
-            </a:effectRef>
-            <a:fontRef idx="minor">
-              <a:schemeClr val="lt1"/>
-            </a:fontRef>
-          </p:style>
-          <p:txBody>
-            <a:bodyPr rtlCol="0" anchor="ctr"/>
-            <a:lstStyle/>
-            <a:p>
-              <a:pPr algn="ctr"/>
-              <a:endParaRPr kumimoji="1" lang="ja-JP" altLang="en-US"/>
-            </a:p>
-          </p:txBody>
-        </p:sp>
-        <p:sp>
-          <p:nvSpPr>
-            <p:cNvPr id="48" name="正方形/長方形 47">
-              <a:extLst>
-                <a:ext uri="{FF2B5EF4-FFF2-40B4-BE49-F238E27FC236}">
-                  <a16:creationId xmlns:a16="http://schemas.microsoft.com/office/drawing/2014/main" id="{B00FD2CE-F54D-14B4-CF4A-1F2E31CA4E97}"/>
-                </a:ext>
-              </a:extLst>
-            </p:cNvPr>
-            <p:cNvSpPr/>
-            <p:nvPr/>
-          </p:nvSpPr>
-          <p:spPr>
-            <a:xfrm rot="5400000">
-              <a:off x="4402379" y="3718851"/>
-              <a:ext cx="66102" cy="664178"/>
-            </a:xfrm>
-            <a:prstGeom prst="rect">
-              <a:avLst/>
-            </a:prstGeom>
+            <a:headEnd type="none" w="med" len="med"/>
+            <a:tailEnd type="none" w="med" len="med"/>
+          </a:ln>
+        </p:spPr>
+        <p:style>
+          <a:lnRef idx="2">
+            <a:schemeClr val="accent1"/>
+          </a:lnRef>
+          <a:fillRef idx="0">
+            <a:schemeClr val="accent1"/>
+          </a:fillRef>
+          <a:effectRef idx="1">
+            <a:schemeClr val="accent1"/>
+          </a:effectRef>
+          <a:fontRef idx="minor">
+            <a:schemeClr val="tx1"/>
+          </a:fontRef>
+        </p:style>
+      </p:cxnSp>
+      <p:sp>
+        <p:nvSpPr>
+          <p:cNvPr id="47" name="正方形/長方形 46">
+            <a:extLst>
+              <a:ext uri="{FF2B5EF4-FFF2-40B4-BE49-F238E27FC236}">
+                <a16:creationId xmlns:a16="http://schemas.microsoft.com/office/drawing/2014/main" id="{0E53D5F6-3CFA-052A-F8AA-087F31FA8134}"/>
+              </a:ext>
+            </a:extLst>
+          </p:cNvPr>
+          <p:cNvSpPr/>
+          <p:nvPr/>
+        </p:nvSpPr>
+        <p:spPr>
+          <a:xfrm rot="5400000">
+            <a:off x="3577279" y="3212513"/>
+            <a:ext cx="72712" cy="374911"/>
+          </a:xfrm>
+          <a:prstGeom prst="rect">
+            <a:avLst/>
+          </a:prstGeom>
+          <a:solidFill>
+            <a:srgbClr val="92D050"/>
+          </a:solidFill>
+          <a:ln>
             <a:solidFill>
-              <a:srgbClr val="92D050"/>
+              <a:srgbClr val="FFFF00"/>
             </a:solidFill>
-            <a:ln>
-              <a:solidFill>
-                <a:srgbClr val="FFFF00"/>
-              </a:solidFill>
-            </a:ln>
-          </p:spPr>
-          <p:style>
-            <a:lnRef idx="2">
-              <a:schemeClr val="accent1">
-                <a:shade val="15000"/>
-              </a:schemeClr>
-            </a:lnRef>
-            <a:fillRef idx="1">
-              <a:schemeClr val="accent1"/>
-            </a:fillRef>
-            <a:effectRef idx="0">
-              <a:schemeClr val="accent1"/>
-            </a:effectRef>
-            <a:fontRef idx="minor">
-              <a:schemeClr val="lt1"/>
-            </a:fontRef>
-          </p:style>
-          <p:txBody>
-            <a:bodyPr rtlCol="0" anchor="ctr"/>
-            <a:lstStyle/>
-            <a:p>
-              <a:pPr algn="ctr"/>
-              <a:endParaRPr kumimoji="1" lang="ja-JP" altLang="en-US"/>
-            </a:p>
-          </p:txBody>
-        </p:sp>
-        <p:sp>
-          <p:nvSpPr>
-            <p:cNvPr id="49" name="正方形/長方形 48">
-              <a:extLst>
-                <a:ext uri="{FF2B5EF4-FFF2-40B4-BE49-F238E27FC236}">
-                  <a16:creationId xmlns:a16="http://schemas.microsoft.com/office/drawing/2014/main" id="{2971D0B1-3936-70CE-78C9-ADABB690673C}"/>
-                </a:ext>
-              </a:extLst>
-            </p:cNvPr>
-            <p:cNvSpPr/>
-            <p:nvPr/>
-          </p:nvSpPr>
-          <p:spPr>
-            <a:xfrm rot="5400000">
-              <a:off x="4395439" y="4067092"/>
-              <a:ext cx="79983" cy="309844"/>
-            </a:xfrm>
-            <a:prstGeom prst="rect">
-              <a:avLst/>
-            </a:prstGeom>
+          </a:ln>
+        </p:spPr>
+        <p:style>
+          <a:lnRef idx="2">
+            <a:schemeClr val="accent1">
+              <a:shade val="15000"/>
+            </a:schemeClr>
+          </a:lnRef>
+          <a:fillRef idx="1">
+            <a:schemeClr val="accent1"/>
+          </a:fillRef>
+          <a:effectRef idx="0">
+            <a:schemeClr val="accent1"/>
+          </a:effectRef>
+          <a:fontRef idx="minor">
+            <a:schemeClr val="lt1"/>
+          </a:fontRef>
+        </p:style>
+        <p:txBody>
+          <a:bodyPr rtlCol="0" anchor="ctr"/>
+          <a:lstStyle/>
+          <a:p>
+            <a:pPr algn="ctr"/>
+            <a:endParaRPr kumimoji="1" lang="ja-JP" altLang="en-US"/>
+          </a:p>
+        </p:txBody>
+      </p:sp>
+      <p:sp>
+        <p:nvSpPr>
+          <p:cNvPr id="48" name="正方形/長方形 47">
+            <a:extLst>
+              <a:ext uri="{FF2B5EF4-FFF2-40B4-BE49-F238E27FC236}">
+                <a16:creationId xmlns:a16="http://schemas.microsoft.com/office/drawing/2014/main" id="{B00FD2CE-F54D-14B4-CF4A-1F2E31CA4E97}"/>
+              </a:ext>
+            </a:extLst>
+          </p:cNvPr>
+          <p:cNvSpPr/>
+          <p:nvPr/>
+        </p:nvSpPr>
+        <p:spPr>
+          <a:xfrm rot="5400000">
+            <a:off x="3580584" y="3246702"/>
+            <a:ext cx="66102" cy="664178"/>
+          </a:xfrm>
+          <a:prstGeom prst="rect">
+            <a:avLst/>
+          </a:prstGeom>
+          <a:solidFill>
+            <a:srgbClr val="92D050"/>
+          </a:solidFill>
+          <a:ln>
             <a:solidFill>
-              <a:srgbClr val="92D050"/>
+              <a:srgbClr val="FFFF00"/>
             </a:solidFill>
-            <a:ln>
-              <a:solidFill>
-                <a:srgbClr val="FFFF00"/>
-              </a:solidFill>
-            </a:ln>
-          </p:spPr>
-          <p:style>
-            <a:lnRef idx="2">
-              <a:schemeClr val="accent1">
-                <a:shade val="15000"/>
-              </a:schemeClr>
-            </a:lnRef>
-            <a:fillRef idx="1">
-              <a:schemeClr val="accent1"/>
-            </a:fillRef>
-            <a:effectRef idx="0">
-              <a:schemeClr val="accent1"/>
-            </a:effectRef>
-            <a:fontRef idx="minor">
-              <a:schemeClr val="lt1"/>
-            </a:fontRef>
-          </p:style>
-          <p:txBody>
-            <a:bodyPr rtlCol="0" anchor="ctr"/>
-            <a:lstStyle/>
-            <a:p>
-              <a:pPr algn="ctr"/>
-              <a:endParaRPr kumimoji="1" lang="ja-JP" altLang="en-US"/>
-            </a:p>
-          </p:txBody>
-        </p:sp>
-        <p:cxnSp>
-          <p:nvCxnSpPr>
-            <p:cNvPr id="50" name="直線コネクタ 49">
-              <a:extLst>
-                <a:ext uri="{FF2B5EF4-FFF2-40B4-BE49-F238E27FC236}">
-                  <a16:creationId xmlns:a16="http://schemas.microsoft.com/office/drawing/2014/main" id="{F7E24E89-D989-755B-BEC5-C8A028ED1CFF}"/>
-                </a:ext>
-              </a:extLst>
-            </p:cNvPr>
-            <p:cNvCxnSpPr>
-              <a:cxnSpLocks/>
-              <a:stCxn id="49" idx="3"/>
-              <a:endCxn id="47" idx="1"/>
-            </p:cNvCxnSpPr>
-            <p:nvPr/>
-          </p:nvCxnSpPr>
-          <p:spPr>
-            <a:xfrm flipH="1" flipV="1">
-              <a:off x="4435430" y="3799568"/>
-              <a:ext cx="1" cy="506380"/>
-            </a:xfrm>
-            <a:prstGeom prst="line">
-              <a:avLst/>
-            </a:prstGeom>
-            <a:ln w="38100">
-              <a:solidFill>
-                <a:srgbClr val="FF0000"/>
-              </a:solidFill>
-              <a:headEnd type="none" w="med" len="med"/>
-              <a:tailEnd type="none" w="med" len="med"/>
-            </a:ln>
-          </p:spPr>
-          <p:style>
-            <a:lnRef idx="2">
-              <a:schemeClr val="accent1"/>
-            </a:lnRef>
-            <a:fillRef idx="0">
-              <a:schemeClr val="accent1"/>
-            </a:fillRef>
-            <a:effectRef idx="1">
-              <a:schemeClr val="accent1"/>
-            </a:effectRef>
-            <a:fontRef idx="minor">
-              <a:schemeClr val="tx1"/>
-            </a:fontRef>
-          </p:style>
-        </p:cxnSp>
-      </p:grpSp>
+          </a:ln>
+        </p:spPr>
+        <p:style>
+          <a:lnRef idx="2">
+            <a:schemeClr val="accent1">
+              <a:shade val="15000"/>
+            </a:schemeClr>
+          </a:lnRef>
+          <a:fillRef idx="1">
+            <a:schemeClr val="accent1"/>
+          </a:fillRef>
+          <a:effectRef idx="0">
+            <a:schemeClr val="accent1"/>
+          </a:effectRef>
+          <a:fontRef idx="minor">
+            <a:schemeClr val="lt1"/>
+          </a:fontRef>
+        </p:style>
+        <p:txBody>
+          <a:bodyPr rtlCol="0" anchor="ctr"/>
+          <a:lstStyle/>
+          <a:p>
+            <a:pPr algn="ctr"/>
+            <a:endParaRPr kumimoji="1" lang="ja-JP" altLang="en-US"/>
+          </a:p>
+        </p:txBody>
+      </p:sp>
+      <p:sp>
+        <p:nvSpPr>
+          <p:cNvPr id="49" name="正方形/長方形 48">
+            <a:extLst>
+              <a:ext uri="{FF2B5EF4-FFF2-40B4-BE49-F238E27FC236}">
+                <a16:creationId xmlns:a16="http://schemas.microsoft.com/office/drawing/2014/main" id="{2971D0B1-3936-70CE-78C9-ADABB690673C}"/>
+              </a:ext>
+            </a:extLst>
+          </p:cNvPr>
+          <p:cNvSpPr/>
+          <p:nvPr/>
+        </p:nvSpPr>
+        <p:spPr>
+          <a:xfrm rot="5400000">
+            <a:off x="3573644" y="3540700"/>
+            <a:ext cx="79983" cy="309844"/>
+          </a:xfrm>
+          <a:prstGeom prst="rect">
+            <a:avLst/>
+          </a:prstGeom>
+          <a:solidFill>
+            <a:srgbClr val="92D050"/>
+          </a:solidFill>
+          <a:ln>
+            <a:solidFill>
+              <a:srgbClr val="FFFF00"/>
+            </a:solidFill>
+          </a:ln>
+        </p:spPr>
+        <p:style>
+          <a:lnRef idx="2">
+            <a:schemeClr val="accent1">
+              <a:shade val="15000"/>
+            </a:schemeClr>
+          </a:lnRef>
+          <a:fillRef idx="1">
+            <a:schemeClr val="accent1"/>
+          </a:fillRef>
+          <a:effectRef idx="0">
+            <a:schemeClr val="accent1"/>
+          </a:effectRef>
+          <a:fontRef idx="minor">
+            <a:schemeClr val="lt1"/>
+          </a:fontRef>
+        </p:style>
+        <p:txBody>
+          <a:bodyPr rtlCol="0" anchor="ctr"/>
+          <a:lstStyle/>
+          <a:p>
+            <a:pPr algn="ctr"/>
+            <a:endParaRPr kumimoji="1" lang="ja-JP" altLang="en-US"/>
+          </a:p>
+        </p:txBody>
+      </p:sp>
+      <p:cxnSp>
+        <p:nvCxnSpPr>
+          <p:cNvPr id="50" name="直線コネクタ 49">
+            <a:extLst>
+              <a:ext uri="{FF2B5EF4-FFF2-40B4-BE49-F238E27FC236}">
+                <a16:creationId xmlns:a16="http://schemas.microsoft.com/office/drawing/2014/main" id="{F7E24E89-D989-755B-BEC5-C8A028ED1CFF}"/>
+              </a:ext>
+            </a:extLst>
+          </p:cNvPr>
+          <p:cNvCxnSpPr>
+            <a:cxnSpLocks/>
+          </p:cNvCxnSpPr>
+          <p:nvPr/>
+        </p:nvCxnSpPr>
+        <p:spPr>
+          <a:xfrm flipH="1" flipV="1">
+            <a:off x="3613635" y="3294298"/>
+            <a:ext cx="1" cy="495133"/>
+          </a:xfrm>
+          <a:prstGeom prst="line">
+            <a:avLst/>
+          </a:prstGeom>
+          <a:ln w="38100">
+            <a:solidFill>
+              <a:srgbClr val="FF0000"/>
+            </a:solidFill>
+            <a:headEnd type="none" w="med" len="med"/>
+            <a:tailEnd type="none" w="med" len="med"/>
+          </a:ln>
+        </p:spPr>
+        <p:style>
+          <a:lnRef idx="2">
+            <a:schemeClr val="accent1"/>
+          </a:lnRef>
+          <a:fillRef idx="0">
+            <a:schemeClr val="accent1"/>
+          </a:fillRef>
+          <a:effectRef idx="1">
+            <a:schemeClr val="accent1"/>
+          </a:effectRef>
+          <a:fontRef idx="minor">
+            <a:schemeClr val="tx1"/>
+          </a:fontRef>
+        </p:style>
+      </p:cxnSp>
       <p:grpSp>
         <p:nvGrpSpPr>
           <p:cNvPr id="54" name="グループ化 53">
